--- a/L06_PoleKolekce/00_O Mne.pptx
+++ b/L06_PoleKolekce/00_O Mne.pptx
@@ -703,7 +703,7 @@
           <a:p>
             <a:fld id="{A1B5911F-7C49-4E4E-AF13-219F87B878F4}" type="datetimeFigureOut">
               <a:rPr lang="de-DE" smtClean="0"/>
-              <a:t>20.02.2025</a:t>
+              <a:t>06.11.2025</a:t>
             </a:fld>
             <a:endParaRPr lang="de-DE"/>
           </a:p>
@@ -2379,7 +2379,7 @@
           <a:p>
             <a:fld id="{422D7498-AF4D-40C9-A69F-B3D88E543B66}" type="datetimeFigureOut">
               <a:rPr lang="de-DE" smtClean="0"/>
-              <a:t>20.02.2025</a:t>
+              <a:t>06.11.2025</a:t>
             </a:fld>
             <a:endParaRPr lang="de-DE"/>
           </a:p>
@@ -3838,7 +3838,7 @@
           <a:p>
             <a:fld id="{422D7498-AF4D-40C9-A69F-B3D88E543B66}" type="datetimeFigureOut">
               <a:rPr lang="de-DE" smtClean="0"/>
-              <a:t>20.02.2025</a:t>
+              <a:t>06.11.2025</a:t>
             </a:fld>
             <a:endParaRPr lang="de-DE"/>
           </a:p>
@@ -5291,7 +5291,7 @@
           <a:p>
             <a:fld id="{422D7498-AF4D-40C9-A69F-B3D88E543B66}" type="datetimeFigureOut">
               <a:rPr lang="de-DE" smtClean="0"/>
-              <a:t>20.02.2025</a:t>
+              <a:t>06.11.2025</a:t>
             </a:fld>
             <a:endParaRPr lang="de-DE"/>
           </a:p>
@@ -6746,7 +6746,7 @@
           <a:p>
             <a:fld id="{422D7498-AF4D-40C9-A69F-B3D88E543B66}" type="datetimeFigureOut">
               <a:rPr lang="de-DE" smtClean="0"/>
-              <a:t>20.02.2025</a:t>
+              <a:t>06.11.2025</a:t>
             </a:fld>
             <a:endParaRPr lang="de-DE"/>
           </a:p>
@@ -8301,7 +8301,7 @@
           <a:p>
             <a:fld id="{422D7498-AF4D-40C9-A69F-B3D88E543B66}" type="datetimeFigureOut">
               <a:rPr lang="de-DE" smtClean="0"/>
-              <a:t>20.02.2025</a:t>
+              <a:t>06.11.2025</a:t>
             </a:fld>
             <a:endParaRPr lang="de-DE"/>
           </a:p>
@@ -9822,7 +9822,7 @@
           <a:p>
             <a:fld id="{422D7498-AF4D-40C9-A69F-B3D88E543B66}" type="datetimeFigureOut">
               <a:rPr lang="de-DE" smtClean="0"/>
-              <a:t>20.02.2025</a:t>
+              <a:t>06.11.2025</a:t>
             </a:fld>
             <a:endParaRPr lang="de-DE"/>
           </a:p>
@@ -11492,7 +11492,7 @@
           <a:p>
             <a:fld id="{422D7498-AF4D-40C9-A69F-B3D88E543B66}" type="datetimeFigureOut">
               <a:rPr lang="de-DE" smtClean="0"/>
-              <a:t>20.02.2025</a:t>
+              <a:t>06.11.2025</a:t>
             </a:fld>
             <a:endParaRPr lang="de-DE"/>
           </a:p>
@@ -12895,7 +12895,7 @@
           <a:p>
             <a:fld id="{422D7498-AF4D-40C9-A69F-B3D88E543B66}" type="datetimeFigureOut">
               <a:rPr lang="de-DE" smtClean="0"/>
-              <a:t>20.02.2025</a:t>
+              <a:t>06.11.2025</a:t>
             </a:fld>
             <a:endParaRPr lang="de-DE"/>
           </a:p>
@@ -12995,7 +12995,7 @@
           <a:p>
             <a:fld id="{422D7498-AF4D-40C9-A69F-B3D88E543B66}" type="datetimeFigureOut">
               <a:rPr lang="de-DE" smtClean="0"/>
-              <a:t>20.02.2025</a:t>
+              <a:t>06.11.2025</a:t>
             </a:fld>
             <a:endParaRPr lang="de-DE"/>
           </a:p>
@@ -14521,7 +14521,7 @@
           <a:p>
             <a:fld id="{422D7498-AF4D-40C9-A69F-B3D88E543B66}" type="datetimeFigureOut">
               <a:rPr lang="de-DE" smtClean="0"/>
-              <a:t>20.02.2025</a:t>
+              <a:t>06.11.2025</a:t>
             </a:fld>
             <a:endParaRPr lang="de-DE"/>
           </a:p>
@@ -16062,7 +16062,7 @@
           <a:p>
             <a:fld id="{422D7498-AF4D-40C9-A69F-B3D88E543B66}" type="datetimeFigureOut">
               <a:rPr lang="de-DE" smtClean="0"/>
-              <a:t>20.02.2025</a:t>
+              <a:t>06.11.2025</a:t>
             </a:fld>
             <a:endParaRPr lang="de-DE"/>
           </a:p>
@@ -16285,7 +16285,7 @@
           <a:p>
             <a:fld id="{422D7498-AF4D-40C9-A69F-B3D88E543B66}" type="datetimeFigureOut">
               <a:rPr lang="de-DE" smtClean="0"/>
-              <a:t>20.02.2025</a:t>
+              <a:t>06.11.2025</a:t>
             </a:fld>
             <a:endParaRPr lang="de-DE"/>
           </a:p>
@@ -24569,7 +24569,7 @@
                   <a:schemeClr val="accent1"/>
                 </a:solidFill>
               </a:rPr>
-              <a:t>Studium &amp; Práce</a:t>
+              <a:t>Práce</a:t>
             </a:r>
             <a:endParaRPr lang="en-US" sz="7200" dirty="0">
               <a:solidFill>
@@ -24643,10 +24643,10 @@
       </p:sp>
       <p:pic>
         <p:nvPicPr>
-          <p:cNvPr id="1026" name="Picture 2">
+          <p:cNvPr id="1028" name="Picture 4" descr="software architecture color icon vector illustration ...">
             <a:extLst>
               <a:ext uri="{FF2B5EF4-FFF2-40B4-BE49-F238E27FC236}">
-                <a16:creationId xmlns:a16="http://schemas.microsoft.com/office/drawing/2014/main" id="{D6138773-2883-9CED-B9B1-A5DA72F7F354}"/>
+                <a16:creationId xmlns:a16="http://schemas.microsoft.com/office/drawing/2014/main" id="{08E58A7E-A230-1C9F-42F0-F8A03353B768}"/>
               </a:ext>
             </a:extLst>
           </p:cNvPr>
@@ -24657,53 +24657,6 @@
         </p:nvPicPr>
         <p:blipFill>
           <a:blip r:embed="rId2">
-            <a:extLst>
-              <a:ext uri="{28A0092B-C50C-407E-A947-70E740481C1C}">
-                <a14:useLocalDpi xmlns:a14="http://schemas.microsoft.com/office/drawing/2010/main" val="0"/>
-              </a:ext>
-            </a:extLst>
-          </a:blip>
-          <a:srcRect/>
-          <a:stretch>
-            <a:fillRect/>
-          </a:stretch>
-        </p:blipFill>
-        <p:spPr bwMode="auto">
-          <a:xfrm>
-            <a:off x="8120589" y="-786067"/>
-            <a:ext cx="4010453" cy="4010453"/>
-          </a:xfrm>
-          <a:prstGeom prst="rect">
-            <a:avLst/>
-          </a:prstGeom>
-          <a:noFill/>
-          <a:extLst>
-            <a:ext uri="{909E8E84-426E-40DD-AFC4-6F175D3DCCD1}">
-              <a14:hiddenFill xmlns:a14="http://schemas.microsoft.com/office/drawing/2010/main">
-                <a:solidFill>
-                  <a:srgbClr val="FFFFFF"/>
-                </a:solidFill>
-              </a14:hiddenFill>
-            </a:ext>
-          </a:extLst>
-        </p:spPr>
-      </p:pic>
-      <p:pic>
-        <p:nvPicPr>
-          <p:cNvPr id="1028" name="Picture 4" descr="software architecture color icon vector illustration ...">
-            <a:extLst>
-              <a:ext uri="{FF2B5EF4-FFF2-40B4-BE49-F238E27FC236}">
-                <a16:creationId xmlns:a16="http://schemas.microsoft.com/office/drawing/2014/main" id="{08E58A7E-A230-1C9F-42F0-F8A03353B768}"/>
-              </a:ext>
-            </a:extLst>
-          </p:cNvPr>
-          <p:cNvPicPr>
-            <a:picLocks noChangeAspect="1" noChangeArrowheads="1"/>
-          </p:cNvPicPr>
-          <p:nvPr/>
-        </p:nvPicPr>
-        <p:blipFill>
-          <a:blip r:embed="rId3">
             <a:alphaModFix amt="50000"/>
             <a:extLst>
               <a:ext uri="{28A0092B-C50C-407E-A947-70E740481C1C}">
@@ -25876,9 +25829,9 @@
         <p:grpSpPr>
           <a:xfrm>
             <a:off x="4661170" y="1901202"/>
-            <a:ext cx="7100328" cy="3045245"/>
+            <a:ext cx="7083353" cy="2018485"/>
             <a:chOff x="4661170" y="276680"/>
-            <a:chExt cx="7100328" cy="3045245"/>
+            <a:chExt cx="7083353" cy="2018485"/>
           </a:xfrm>
         </p:grpSpPr>
         <p:pic>
@@ -26051,141 +26004,6 @@
             </a:p>
           </p:txBody>
         </p:sp>
-        <p:pic>
-          <p:nvPicPr>
-            <p:cNvPr id="9" name="Picture 6" descr="Email Logo Bilder - Kostenloser Download auf Freepik">
-              <a:extLst>
-                <a:ext uri="{FF2B5EF4-FFF2-40B4-BE49-F238E27FC236}">
-                  <a16:creationId xmlns:a16="http://schemas.microsoft.com/office/drawing/2014/main" id="{4F901060-31B9-EB1B-3170-E528901A978E}"/>
-                </a:ext>
-              </a:extLst>
-            </p:cNvPr>
-            <p:cNvPicPr>
-              <a:picLocks noChangeAspect="1" noChangeArrowheads="1"/>
-            </p:cNvPicPr>
-            <p:nvPr/>
-          </p:nvPicPr>
-          <p:blipFill>
-            <a:blip r:embed="rId4">
-              <a:extLst>
-                <a:ext uri="{28A0092B-C50C-407E-A947-70E740481C1C}">
-                  <a14:useLocalDpi xmlns:a14="http://schemas.microsoft.com/office/drawing/2010/main" val="0"/>
-                </a:ext>
-              </a:extLst>
-            </a:blip>
-            <a:srcRect/>
-            <a:stretch>
-              <a:fillRect/>
-            </a:stretch>
-          </p:blipFill>
-          <p:spPr bwMode="auto">
-            <a:xfrm>
-              <a:off x="4678145" y="2349925"/>
-              <a:ext cx="972000" cy="972000"/>
-            </a:xfrm>
-            <a:prstGeom prst="rect">
-              <a:avLst/>
-            </a:prstGeom>
-            <a:noFill/>
-            <a:extLst>
-              <a:ext uri="{909E8E84-426E-40DD-AFC4-6F175D3DCCD1}">
-                <a14:hiddenFill xmlns:a14="http://schemas.microsoft.com/office/drawing/2010/main">
-                  <a:solidFill>
-                    <a:srgbClr val="FFFFFF"/>
-                  </a:solidFill>
-                </a14:hiddenFill>
-              </a:ext>
-            </a:extLst>
-          </p:spPr>
-        </p:pic>
-        <p:sp>
-          <p:nvSpPr>
-            <p:cNvPr id="10" name="Textfeld 9">
-              <a:extLst>
-                <a:ext uri="{FF2B5EF4-FFF2-40B4-BE49-F238E27FC236}">
-                  <a16:creationId xmlns:a16="http://schemas.microsoft.com/office/drawing/2014/main" id="{EB8ACE24-2F5A-26C7-7123-3950C7A44A01}"/>
-                </a:ext>
-              </a:extLst>
-            </p:cNvPr>
-            <p:cNvSpPr txBox="1"/>
-            <p:nvPr/>
-          </p:nvSpPr>
-          <p:spPr>
-            <a:xfrm>
-              <a:off x="5667120" y="2651259"/>
-              <a:ext cx="6094378" cy="369332"/>
-            </a:xfrm>
-            <a:prstGeom prst="rect">
-              <a:avLst/>
-            </a:prstGeom>
-            <a:noFill/>
-          </p:spPr>
-          <p:txBody>
-            <a:bodyPr wrap="square">
-              <a:spAutoFit/>
-            </a:bodyPr>
-            <a:lstStyle/>
-            <a:p>
-              <a:r>
-                <a:rPr lang="de-DE" dirty="0">
-                  <a:hlinkClick r:id="rId6"/>
-                </a:rPr>
-                <a:t>https://medium.com/@maravondra</a:t>
-              </a:r>
-              <a:r>
-                <a:rPr lang="de-DE" dirty="0"/>
-                <a:t> </a:t>
-              </a:r>
-            </a:p>
-          </p:txBody>
-        </p:sp>
-        <p:pic>
-          <p:nvPicPr>
-            <p:cNvPr id="3080" name="Picture 8" descr="Medium logo - Soziale Medien und Logos Symbole">
-              <a:extLst>
-                <a:ext uri="{FF2B5EF4-FFF2-40B4-BE49-F238E27FC236}">
-                  <a16:creationId xmlns:a16="http://schemas.microsoft.com/office/drawing/2014/main" id="{97DAC451-8A1A-7EE0-7CFF-FB5E693EBBFC}"/>
-                </a:ext>
-              </a:extLst>
-            </p:cNvPr>
-            <p:cNvPicPr>
-              <a:picLocks noChangeAspect="1" noChangeArrowheads="1"/>
-            </p:cNvPicPr>
-            <p:nvPr/>
-          </p:nvPicPr>
-          <p:blipFill>
-            <a:blip r:embed="rId7">
-              <a:extLst>
-                <a:ext uri="{28A0092B-C50C-407E-A947-70E740481C1C}">
-                  <a14:useLocalDpi xmlns:a14="http://schemas.microsoft.com/office/drawing/2010/main" val="0"/>
-                </a:ext>
-              </a:extLst>
-            </a:blip>
-            <a:srcRect/>
-            <a:stretch>
-              <a:fillRect/>
-            </a:stretch>
-          </p:blipFill>
-          <p:spPr bwMode="auto">
-            <a:xfrm>
-              <a:off x="4714145" y="2385925"/>
-              <a:ext cx="900000" cy="900000"/>
-            </a:xfrm>
-            <a:prstGeom prst="rect">
-              <a:avLst/>
-            </a:prstGeom>
-            <a:noFill/>
-            <a:extLst>
-              <a:ext uri="{909E8E84-426E-40DD-AFC4-6F175D3DCCD1}">
-                <a14:hiddenFill xmlns:a14="http://schemas.microsoft.com/office/drawing/2010/main">
-                  <a:solidFill>
-                    <a:srgbClr val="FFFFFF"/>
-                  </a:solidFill>
-                </a14:hiddenFill>
-              </a:ext>
-            </a:extLst>
-          </p:spPr>
-        </p:pic>
       </p:grpSp>
       <p:pic>
         <p:nvPicPr>
@@ -26202,7 +26020,7 @@
           <p:nvPr/>
         </p:nvPicPr>
         <p:blipFill>
-          <a:blip r:embed="rId8">
+          <a:blip r:embed="rId6">
             <a:extLst>
               <a:ext uri="{28A0092B-C50C-407E-A947-70E740481C1C}">
                 <a14:useLocalDpi xmlns:a14="http://schemas.microsoft.com/office/drawing/2010/main" val="0"/>
@@ -26216,7 +26034,7 @@
         </p:blipFill>
         <p:spPr bwMode="auto">
           <a:xfrm>
-            <a:off x="4661170" y="5001207"/>
+            <a:off x="4661170" y="3988192"/>
             <a:ext cx="972000" cy="972000"/>
           </a:xfrm>
           <a:prstGeom prst="rect">
@@ -26248,7 +26066,7 @@
         </p:nvSpPr>
         <p:spPr>
           <a:xfrm>
-            <a:off x="5667120" y="5251948"/>
+            <a:off x="5667120" y="4238933"/>
             <a:ext cx="6094378" cy="369332"/>
           </a:xfrm>
           <a:prstGeom prst="rect">
